--- a/design.pptx
+++ b/design.pptx
@@ -244,7 +244,7 @@
           <a:p>
             <a:fld id="{515F2B18-0162-455B-AAE7-04FFF9D12446}" type="datetimeFigureOut">
               <a:rPr lang="en-US" smtClean="0"/>
-              <a:t>12/28/2019</a:t>
+              <a:t>12/29/2019</a:t>
             </a:fld>
             <a:endParaRPr lang="en-US"/>
           </a:p>
@@ -414,7 +414,7 @@
           <a:p>
             <a:fld id="{515F2B18-0162-455B-AAE7-04FFF9D12446}" type="datetimeFigureOut">
               <a:rPr lang="en-US" smtClean="0"/>
-              <a:t>12/28/2019</a:t>
+              <a:t>12/29/2019</a:t>
             </a:fld>
             <a:endParaRPr lang="en-US"/>
           </a:p>
@@ -594,7 +594,7 @@
           <a:p>
             <a:fld id="{515F2B18-0162-455B-AAE7-04FFF9D12446}" type="datetimeFigureOut">
               <a:rPr lang="en-US" smtClean="0"/>
-              <a:t>12/28/2019</a:t>
+              <a:t>12/29/2019</a:t>
             </a:fld>
             <a:endParaRPr lang="en-US"/>
           </a:p>
@@ -764,7 +764,7 @@
           <a:p>
             <a:fld id="{515F2B18-0162-455B-AAE7-04FFF9D12446}" type="datetimeFigureOut">
               <a:rPr lang="en-US" smtClean="0"/>
-              <a:t>12/28/2019</a:t>
+              <a:t>12/29/2019</a:t>
             </a:fld>
             <a:endParaRPr lang="en-US"/>
           </a:p>
@@ -1010,7 +1010,7 @@
           <a:p>
             <a:fld id="{515F2B18-0162-455B-AAE7-04FFF9D12446}" type="datetimeFigureOut">
               <a:rPr lang="en-US" smtClean="0"/>
-              <a:t>12/28/2019</a:t>
+              <a:t>12/29/2019</a:t>
             </a:fld>
             <a:endParaRPr lang="en-US"/>
           </a:p>
@@ -1242,7 +1242,7 @@
           <a:p>
             <a:fld id="{515F2B18-0162-455B-AAE7-04FFF9D12446}" type="datetimeFigureOut">
               <a:rPr lang="en-US" smtClean="0"/>
-              <a:t>12/28/2019</a:t>
+              <a:t>12/29/2019</a:t>
             </a:fld>
             <a:endParaRPr lang="en-US"/>
           </a:p>
@@ -1609,7 +1609,7 @@
           <a:p>
             <a:fld id="{515F2B18-0162-455B-AAE7-04FFF9D12446}" type="datetimeFigureOut">
               <a:rPr lang="en-US" smtClean="0"/>
-              <a:t>12/28/2019</a:t>
+              <a:t>12/29/2019</a:t>
             </a:fld>
             <a:endParaRPr lang="en-US"/>
           </a:p>
@@ -1727,7 +1727,7 @@
           <a:p>
             <a:fld id="{515F2B18-0162-455B-AAE7-04FFF9D12446}" type="datetimeFigureOut">
               <a:rPr lang="en-US" smtClean="0"/>
-              <a:t>12/28/2019</a:t>
+              <a:t>12/29/2019</a:t>
             </a:fld>
             <a:endParaRPr lang="en-US"/>
           </a:p>
@@ -1822,7 +1822,7 @@
           <a:p>
             <a:fld id="{515F2B18-0162-455B-AAE7-04FFF9D12446}" type="datetimeFigureOut">
               <a:rPr lang="en-US" smtClean="0"/>
-              <a:t>12/28/2019</a:t>
+              <a:t>12/29/2019</a:t>
             </a:fld>
             <a:endParaRPr lang="en-US"/>
           </a:p>
@@ -2099,7 +2099,7 @@
           <a:p>
             <a:fld id="{515F2B18-0162-455B-AAE7-04FFF9D12446}" type="datetimeFigureOut">
               <a:rPr lang="en-US" smtClean="0"/>
-              <a:t>12/28/2019</a:t>
+              <a:t>12/29/2019</a:t>
             </a:fld>
             <a:endParaRPr lang="en-US"/>
           </a:p>
@@ -2352,7 +2352,7 @@
           <a:p>
             <a:fld id="{515F2B18-0162-455B-AAE7-04FFF9D12446}" type="datetimeFigureOut">
               <a:rPr lang="en-US" smtClean="0"/>
-              <a:t>12/28/2019</a:t>
+              <a:t>12/29/2019</a:t>
             </a:fld>
             <a:endParaRPr lang="en-US"/>
           </a:p>
@@ -2565,7 +2565,7 @@
           <a:p>
             <a:fld id="{515F2B18-0162-455B-AAE7-04FFF9D12446}" type="datetimeFigureOut">
               <a:rPr lang="en-US" smtClean="0"/>
-              <a:t>12/28/2019</a:t>
+              <a:t>12/29/2019</a:t>
             </a:fld>
             <a:endParaRPr lang="en-US"/>
           </a:p>
@@ -2978,11 +2978,18 @@
         </p:nvGrpSpPr>
         <p:grpSpPr>
           <a:xfrm>
-            <a:off x="3594796" y="1035084"/>
+            <a:off x="3004592" y="2331869"/>
             <a:ext cx="5638534" cy="2479897"/>
             <a:chOff x="2133867" y="275659"/>
             <a:chExt cx="5638534" cy="2479897"/>
           </a:xfrm>
+          <a:effectLst>
+            <a:outerShdw blurRad="88900" dist="25400" dir="5400000" algn="t" rotWithShape="0">
+              <a:prstClr val="black">
+                <a:alpha val="52000"/>
+              </a:prstClr>
+            </a:outerShdw>
+          </a:effectLst>
         </p:grpSpPr>
         <p:grpSp>
           <p:nvGrpSpPr>
@@ -3029,7 +3036,7 @@
                 </a:xfrm>
                 <a:prstGeom prst="roundRect">
                   <a:avLst>
-                    <a:gd name="adj" fmla="val 2024"/>
+                    <a:gd name="adj" fmla="val 0"/>
                   </a:avLst>
                 </a:prstGeom>
                 <a:solidFill>
@@ -3373,7 +3380,9 @@
                     <a:ext cx="2480154" cy="263047"/>
                   </a:xfrm>
                   <a:prstGeom prst="roundRect">
-                    <a:avLst/>
+                    <a:avLst>
+                      <a:gd name="adj" fmla="val 0"/>
+                    </a:avLst>
                   </a:prstGeom>
                   <a:solidFill>
                     <a:srgbClr val="00B0F0"/>
@@ -3426,7 +3435,9 @@
                     <a:ext cx="896602" cy="263047"/>
                   </a:xfrm>
                   <a:prstGeom prst="roundRect">
-                    <a:avLst/>
+                    <a:avLst>
+                      <a:gd name="adj" fmla="val 0"/>
+                    </a:avLst>
                   </a:prstGeom>
                   <a:solidFill>
                     <a:srgbClr val="00B0F0"/>
@@ -3479,7 +3490,9 @@
                     <a:ext cx="896602" cy="263047"/>
                   </a:xfrm>
                   <a:prstGeom prst="roundRect">
-                    <a:avLst/>
+                    <a:avLst>
+                      <a:gd name="adj" fmla="val 0"/>
+                    </a:avLst>
                   </a:prstGeom>
                   <a:solidFill>
                     <a:srgbClr val="00B0F0"/>
@@ -3532,7 +3545,9 @@
                     <a:ext cx="896602" cy="263047"/>
                   </a:xfrm>
                   <a:prstGeom prst="roundRect">
-                    <a:avLst/>
+                    <a:avLst>
+                      <a:gd name="adj" fmla="val 0"/>
+                    </a:avLst>
                   </a:prstGeom>
                   <a:solidFill>
                     <a:srgbClr val="00B0F0"/>
@@ -3587,7 +3602,7 @@
                 </a:xfrm>
                 <a:prstGeom prst="roundRect">
                   <a:avLst>
-                    <a:gd name="adj" fmla="val 4025"/>
+                    <a:gd name="adj" fmla="val 0"/>
                   </a:avLst>
                 </a:prstGeom>
                 <a:solidFill>
@@ -3596,6 +3611,13 @@
                 <a:ln>
                   <a:noFill/>
                 </a:ln>
+                <a:effectLst>
+                  <a:outerShdw blurRad="50800" dist="38100" dir="5400000" algn="t" rotWithShape="0">
+                    <a:prstClr val="black">
+                      <a:alpha val="40000"/>
+                    </a:prstClr>
+                  </a:outerShdw>
+                </a:effectLst>
               </p:spPr>
               <p:style>
                 <a:lnRef idx="2">
@@ -4031,8 +4053,8 @@
             </p:nvSpPr>
             <p:spPr>
               <a:xfrm>
-                <a:off x="1513027" y="1844904"/>
-                <a:ext cx="5352360" cy="1265941"/>
+                <a:off x="1513027" y="1791869"/>
+                <a:ext cx="5352360" cy="1382398"/>
               </a:xfrm>
               <a:prstGeom prst="rect">
                 <a:avLst/>
@@ -4110,7 +4132,7 @@
       </p:grpSpPr>
       <p:pic>
         <p:nvPicPr>
-          <p:cNvPr id="6" name="Picture 5"/>
+          <p:cNvPr id="2" name="Picture 1"/>
           <p:cNvPicPr>
             <a:picLocks noChangeAspect="1"/>
           </p:cNvPicPr>
@@ -4135,8 +4157,8 @@
         </p:blipFill>
         <p:spPr>
           <a:xfrm>
-            <a:off x="1368307" y="1258208"/>
-            <a:ext cx="5645385" cy="2487384"/>
+            <a:off x="1953326" y="1446458"/>
+            <a:ext cx="5834378" cy="2664183"/>
           </a:xfrm>
           <a:prstGeom prst="rect">
             <a:avLst/>
